--- a/Pitch/Pitch_2020.pptx
+++ b/Pitch/Pitch_2020.pptx
@@ -6,6 +6,7 @@
   </p:sldMasterIdLst>
   <p:sldIdLst>
     <p:sldId id="256" r:id="rId2"/>
+    <p:sldId id="257" r:id="rId3"/>
   </p:sldIdLst>
   <p:sldSz cx="12192000" cy="6858000"/>
   <p:notesSz cx="6858000" cy="9144000"/>
@@ -270,7 +271,7 @@
           <a:p>
             <a:fld id="{B361224D-52BF-427B-AA8C-24C34D5B218A}" type="datetimeFigureOut">
               <a:rPr lang="en-US" smtClean="0"/>
-              <a:t>11/3/2020</a:t>
+              <a:t>11/11/2020</a:t>
             </a:fld>
             <a:endParaRPr lang="en-US"/>
           </a:p>
@@ -468,7 +469,7 @@
           <a:p>
             <a:fld id="{B361224D-52BF-427B-AA8C-24C34D5B218A}" type="datetimeFigureOut">
               <a:rPr lang="en-US" smtClean="0"/>
-              <a:t>11/3/2020</a:t>
+              <a:t>11/11/2020</a:t>
             </a:fld>
             <a:endParaRPr lang="en-US"/>
           </a:p>
@@ -676,7 +677,7 @@
           <a:p>
             <a:fld id="{B361224D-52BF-427B-AA8C-24C34D5B218A}" type="datetimeFigureOut">
               <a:rPr lang="en-US" smtClean="0"/>
-              <a:t>11/3/2020</a:t>
+              <a:t>11/11/2020</a:t>
             </a:fld>
             <a:endParaRPr lang="en-US"/>
           </a:p>
@@ -874,7 +875,7 @@
           <a:p>
             <a:fld id="{B361224D-52BF-427B-AA8C-24C34D5B218A}" type="datetimeFigureOut">
               <a:rPr lang="en-US" smtClean="0"/>
-              <a:t>11/3/2020</a:t>
+              <a:t>11/11/2020</a:t>
             </a:fld>
             <a:endParaRPr lang="en-US"/>
           </a:p>
@@ -1149,7 +1150,7 @@
           <a:p>
             <a:fld id="{B361224D-52BF-427B-AA8C-24C34D5B218A}" type="datetimeFigureOut">
               <a:rPr lang="en-US" smtClean="0"/>
-              <a:t>11/3/2020</a:t>
+              <a:t>11/11/2020</a:t>
             </a:fld>
             <a:endParaRPr lang="en-US"/>
           </a:p>
@@ -1414,7 +1415,7 @@
           <a:p>
             <a:fld id="{B361224D-52BF-427B-AA8C-24C34D5B218A}" type="datetimeFigureOut">
               <a:rPr lang="en-US" smtClean="0"/>
-              <a:t>11/3/2020</a:t>
+              <a:t>11/11/2020</a:t>
             </a:fld>
             <a:endParaRPr lang="en-US"/>
           </a:p>
@@ -1826,7 +1827,7 @@
           <a:p>
             <a:fld id="{B361224D-52BF-427B-AA8C-24C34D5B218A}" type="datetimeFigureOut">
               <a:rPr lang="en-US" smtClean="0"/>
-              <a:t>11/3/2020</a:t>
+              <a:t>11/11/2020</a:t>
             </a:fld>
             <a:endParaRPr lang="en-US"/>
           </a:p>
@@ -1967,7 +1968,7 @@
           <a:p>
             <a:fld id="{B361224D-52BF-427B-AA8C-24C34D5B218A}" type="datetimeFigureOut">
               <a:rPr lang="en-US" smtClean="0"/>
-              <a:t>11/3/2020</a:t>
+              <a:t>11/11/2020</a:t>
             </a:fld>
             <a:endParaRPr lang="en-US"/>
           </a:p>
@@ -2080,7 +2081,7 @@
           <a:p>
             <a:fld id="{B361224D-52BF-427B-AA8C-24C34D5B218A}" type="datetimeFigureOut">
               <a:rPr lang="en-US" smtClean="0"/>
-              <a:t>11/3/2020</a:t>
+              <a:t>11/11/2020</a:t>
             </a:fld>
             <a:endParaRPr lang="en-US"/>
           </a:p>
@@ -2391,7 +2392,7 @@
           <a:p>
             <a:fld id="{B361224D-52BF-427B-AA8C-24C34D5B218A}" type="datetimeFigureOut">
               <a:rPr lang="en-US" smtClean="0"/>
-              <a:t>11/3/2020</a:t>
+              <a:t>11/11/2020</a:t>
             </a:fld>
             <a:endParaRPr lang="en-US"/>
           </a:p>
@@ -2679,7 +2680,7 @@
           <a:p>
             <a:fld id="{B361224D-52BF-427B-AA8C-24C34D5B218A}" type="datetimeFigureOut">
               <a:rPr lang="en-US" smtClean="0"/>
-              <a:t>11/3/2020</a:t>
+              <a:t>11/11/2020</a:t>
             </a:fld>
             <a:endParaRPr lang="en-US"/>
           </a:p>
@@ -2920,7 +2921,7 @@
           <a:p>
             <a:fld id="{B361224D-52BF-427B-AA8C-24C34D5B218A}" type="datetimeFigureOut">
               <a:rPr lang="en-US" smtClean="0"/>
-              <a:t>11/3/2020</a:t>
+              <a:t>11/11/2020</a:t>
             </a:fld>
             <a:endParaRPr lang="en-US"/>
           </a:p>
@@ -3400,6 +3401,1660 @@
 </p:sld>
 </file>
 
+<file path=ppt/slides/slide2.xml><?xml version="1.0" encoding="utf-8"?>
+<p:sld xmlns:a="http://schemas.openxmlformats.org/drawingml/2006/main" xmlns:r="http://schemas.openxmlformats.org/officeDocument/2006/relationships" xmlns:p="http://schemas.openxmlformats.org/presentationml/2006/main">
+  <p:cSld>
+    <p:bg>
+      <p:bgPr>
+        <a:solidFill>
+          <a:schemeClr val="bg1"/>
+        </a:solidFill>
+        <a:effectLst/>
+      </p:bgPr>
+    </p:bg>
+    <p:spTree>
+      <p:nvGrpSpPr>
+        <p:cNvPr id="1" name=""/>
+        <p:cNvGrpSpPr/>
+        <p:nvPr/>
+      </p:nvGrpSpPr>
+      <p:grpSpPr>
+        <a:xfrm>
+          <a:off x="0" y="0"/>
+          <a:ext cx="0" cy="0"/>
+          <a:chOff x="0" y="0"/>
+          <a:chExt cx="0" cy="0"/>
+        </a:xfrm>
+      </p:grpSpPr>
+      <p:sp>
+        <p:nvSpPr>
+          <p:cNvPr id="7" name="Rectangle 6">
+            <a:extLst>
+              <a:ext uri="{FF2B5EF4-FFF2-40B4-BE49-F238E27FC236}">
+                <a16:creationId xmlns:a16="http://schemas.microsoft.com/office/drawing/2014/main" id="{267BB2D8-8AE8-428D-B9F5-7CE4260142B7}"/>
+              </a:ext>
+            </a:extLst>
+          </p:cNvPr>
+          <p:cNvSpPr/>
+          <p:nvPr/>
+        </p:nvSpPr>
+        <p:spPr>
+          <a:xfrm>
+            <a:off x="5910349" y="0"/>
+            <a:ext cx="772553" cy="6858000"/>
+          </a:xfrm>
+          <a:prstGeom prst="rect">
+            <a:avLst/>
+          </a:prstGeom>
+          <a:solidFill>
+            <a:schemeClr val="tx1">
+              <a:lumMod val="85000"/>
+              <a:lumOff val="15000"/>
+              <a:alpha val="81000"/>
+            </a:schemeClr>
+          </a:solidFill>
+        </p:spPr>
+        <p:style>
+          <a:lnRef idx="2">
+            <a:schemeClr val="accent1">
+              <a:shade val="50000"/>
+            </a:schemeClr>
+          </a:lnRef>
+          <a:fillRef idx="1">
+            <a:schemeClr val="accent1"/>
+          </a:fillRef>
+          <a:effectRef idx="0">
+            <a:schemeClr val="accent1"/>
+          </a:effectRef>
+          <a:fontRef idx="minor">
+            <a:schemeClr val="lt1"/>
+          </a:fontRef>
+        </p:style>
+        <p:txBody>
+          <a:bodyPr rtlCol="0" anchor="ctr"/>
+          <a:lstStyle/>
+          <a:p>
+            <a:pPr algn="ctr"/>
+            <a:endParaRPr lang="en-US"/>
+          </a:p>
+        </p:txBody>
+      </p:sp>
+      <p:cxnSp>
+        <p:nvCxnSpPr>
+          <p:cNvPr id="33" name="Straight Connector 32">
+            <a:extLst>
+              <a:ext uri="{FF2B5EF4-FFF2-40B4-BE49-F238E27FC236}">
+                <a16:creationId xmlns:a16="http://schemas.microsoft.com/office/drawing/2014/main" id="{36C8919C-ECD3-4F9A-9527-E604EB75AA1F}"/>
+              </a:ext>
+            </a:extLst>
+          </p:cNvPr>
+          <p:cNvCxnSpPr>
+            <a:cxnSpLocks/>
+          </p:cNvCxnSpPr>
+          <p:nvPr/>
+        </p:nvCxnSpPr>
+        <p:spPr>
+          <a:xfrm>
+            <a:off x="6293795" y="-19456"/>
+            <a:ext cx="0" cy="6955277"/>
+          </a:xfrm>
+          <a:prstGeom prst="line">
+            <a:avLst/>
+          </a:prstGeom>
+          <a:ln w="38100" cmpd="sng">
+            <a:solidFill>
+              <a:schemeClr val="bg1"/>
+            </a:solidFill>
+            <a:prstDash val="lgDashDotDot"/>
+          </a:ln>
+        </p:spPr>
+        <p:style>
+          <a:lnRef idx="1">
+            <a:schemeClr val="accent1"/>
+          </a:lnRef>
+          <a:fillRef idx="0">
+            <a:schemeClr val="accent1"/>
+          </a:fillRef>
+          <a:effectRef idx="0">
+            <a:schemeClr val="accent1"/>
+          </a:effectRef>
+          <a:fontRef idx="minor">
+            <a:schemeClr val="tx1"/>
+          </a:fontRef>
+        </p:style>
+      </p:cxnSp>
+      <p:sp>
+        <p:nvSpPr>
+          <p:cNvPr id="2" name="Title 1">
+            <a:extLst>
+              <a:ext uri="{FF2B5EF4-FFF2-40B4-BE49-F238E27FC236}">
+                <a16:creationId xmlns:a16="http://schemas.microsoft.com/office/drawing/2014/main" id="{3830DDD1-D42B-47EF-A974-08144C8D847A}"/>
+              </a:ext>
+            </a:extLst>
+          </p:cNvPr>
+          <p:cNvSpPr>
+            <a:spLocks noGrp="1"/>
+          </p:cNvSpPr>
+          <p:nvPr>
+            <p:ph type="title"/>
+          </p:nvPr>
+        </p:nvSpPr>
+        <p:spPr>
+          <a:xfrm>
+            <a:off x="6758439" y="365125"/>
+            <a:ext cx="4595360" cy="1325563"/>
+          </a:xfrm>
+        </p:spPr>
+        <p:txBody>
+          <a:bodyPr/>
+          <a:lstStyle/>
+          <a:p>
+            <a:pPr algn="ctr"/>
+            <a:r>
+              <a:rPr lang="en-US" dirty="0"/>
+              <a:t>Agenda</a:t>
+            </a:r>
+          </a:p>
+        </p:txBody>
+      </p:sp>
+      <p:sp>
+        <p:nvSpPr>
+          <p:cNvPr id="4" name="Rectangle 3">
+            <a:extLst>
+              <a:ext uri="{FF2B5EF4-FFF2-40B4-BE49-F238E27FC236}">
+                <a16:creationId xmlns:a16="http://schemas.microsoft.com/office/drawing/2014/main" id="{32A12D45-7329-4B6F-8AC1-E02340F01B9A}"/>
+              </a:ext>
+            </a:extLst>
+          </p:cNvPr>
+          <p:cNvSpPr/>
+          <p:nvPr/>
+        </p:nvSpPr>
+        <p:spPr>
+          <a:xfrm>
+            <a:off x="0" y="0"/>
+            <a:ext cx="5910349" cy="6858000"/>
+          </a:xfrm>
+          <a:prstGeom prst="rect">
+            <a:avLst/>
+          </a:prstGeom>
+          <a:blipFill>
+            <a:blip r:embed="rId2">
+              <a:extLst>
+                <a:ext uri="{BEBA8EAE-BF5A-486C-A8C5-ECC9F3942E4B}">
+                  <a14:imgProps xmlns:a14="http://schemas.microsoft.com/office/drawing/2010/main">
+                    <a14:imgLayer r:embed="rId3">
+                      <a14:imgEffect>
+                        <a14:artisticCrisscrossEtching pressure="21"/>
+                      </a14:imgEffect>
+                      <a14:imgEffect>
+                        <a14:colorTemperature colorTemp="5900"/>
+                      </a14:imgEffect>
+                    </a14:imgLayer>
+                  </a14:imgProps>
+                </a:ext>
+              </a:extLst>
+            </a:blip>
+            <a:stretch>
+              <a:fillRect/>
+            </a:stretch>
+          </a:blipFill>
+        </p:spPr>
+        <p:style>
+          <a:lnRef idx="2">
+            <a:schemeClr val="accent1">
+              <a:shade val="50000"/>
+            </a:schemeClr>
+          </a:lnRef>
+          <a:fillRef idx="1">
+            <a:schemeClr val="accent1"/>
+          </a:fillRef>
+          <a:effectRef idx="0">
+            <a:schemeClr val="accent1"/>
+          </a:effectRef>
+          <a:fontRef idx="minor">
+            <a:schemeClr val="lt1"/>
+          </a:fontRef>
+        </p:style>
+        <p:txBody>
+          <a:bodyPr rtlCol="0" anchor="ctr"/>
+          <a:lstStyle/>
+          <a:p>
+            <a:pPr algn="ctr"/>
+            <a:endParaRPr lang="en-US"/>
+          </a:p>
+        </p:txBody>
+      </p:sp>
+      <p:sp>
+        <p:nvSpPr>
+          <p:cNvPr id="5" name="Rectangle 4">
+            <a:extLst>
+              <a:ext uri="{FF2B5EF4-FFF2-40B4-BE49-F238E27FC236}">
+                <a16:creationId xmlns:a16="http://schemas.microsoft.com/office/drawing/2014/main" id="{6AC8562B-4E37-4C03-898B-FBF7C37AE1D3}"/>
+              </a:ext>
+            </a:extLst>
+          </p:cNvPr>
+          <p:cNvSpPr/>
+          <p:nvPr/>
+        </p:nvSpPr>
+        <p:spPr>
+          <a:xfrm>
+            <a:off x="0" y="0"/>
+            <a:ext cx="5910349" cy="6858000"/>
+          </a:xfrm>
+          <a:prstGeom prst="rect">
+            <a:avLst/>
+          </a:prstGeom>
+          <a:solidFill>
+            <a:schemeClr val="tx1">
+              <a:lumMod val="85000"/>
+              <a:lumOff val="15000"/>
+              <a:alpha val="70000"/>
+            </a:schemeClr>
+          </a:solidFill>
+        </p:spPr>
+        <p:style>
+          <a:lnRef idx="2">
+            <a:schemeClr val="accent1">
+              <a:shade val="50000"/>
+            </a:schemeClr>
+          </a:lnRef>
+          <a:fillRef idx="1">
+            <a:schemeClr val="accent1"/>
+          </a:fillRef>
+          <a:effectRef idx="0">
+            <a:schemeClr val="accent1"/>
+          </a:effectRef>
+          <a:fontRef idx="minor">
+            <a:schemeClr val="lt1"/>
+          </a:fontRef>
+        </p:style>
+        <p:txBody>
+          <a:bodyPr rtlCol="0" anchor="ctr"/>
+          <a:lstStyle/>
+          <a:p>
+            <a:pPr algn="ctr"/>
+            <a:endParaRPr lang="en-US"/>
+          </a:p>
+        </p:txBody>
+      </p:sp>
+      <p:grpSp>
+        <p:nvGrpSpPr>
+          <p:cNvPr id="17" name="Group 16">
+            <a:extLst>
+              <a:ext uri="{FF2B5EF4-FFF2-40B4-BE49-F238E27FC236}">
+                <a16:creationId xmlns:a16="http://schemas.microsoft.com/office/drawing/2014/main" id="{9DEEECD9-B9F9-47A5-ACAE-27CC96D78B8A}"/>
+              </a:ext>
+            </a:extLst>
+          </p:cNvPr>
+          <p:cNvGrpSpPr/>
+          <p:nvPr/>
+        </p:nvGrpSpPr>
+        <p:grpSpPr>
+          <a:xfrm>
+            <a:off x="6057809" y="1970855"/>
+            <a:ext cx="498940" cy="4674959"/>
+            <a:chOff x="6057809" y="2136231"/>
+            <a:chExt cx="498940" cy="4674959"/>
+          </a:xfrm>
+        </p:grpSpPr>
+        <p:sp>
+          <p:nvSpPr>
+            <p:cNvPr id="8" name="Rectangle 7">
+              <a:extLst>
+                <a:ext uri="{FF2B5EF4-FFF2-40B4-BE49-F238E27FC236}">
+                  <a16:creationId xmlns:a16="http://schemas.microsoft.com/office/drawing/2014/main" id="{F75A9066-4A89-488B-973E-A1BBFDC76F8A}"/>
+                </a:ext>
+              </a:extLst>
+            </p:cNvPr>
+            <p:cNvSpPr/>
+            <p:nvPr/>
+          </p:nvSpPr>
+          <p:spPr>
+            <a:xfrm rot="2609910">
+              <a:off x="6058709" y="2136231"/>
+              <a:ext cx="496110" cy="496110"/>
+            </a:xfrm>
+            <a:prstGeom prst="rect">
+              <a:avLst/>
+            </a:prstGeom>
+            <a:ln w="38100">
+              <a:solidFill>
+                <a:schemeClr val="bg1"/>
+              </a:solidFill>
+            </a:ln>
+          </p:spPr>
+          <p:style>
+            <a:lnRef idx="2">
+              <a:schemeClr val="accent1">
+                <a:shade val="50000"/>
+              </a:schemeClr>
+            </a:lnRef>
+            <a:fillRef idx="1">
+              <a:schemeClr val="accent1"/>
+            </a:fillRef>
+            <a:effectRef idx="0">
+              <a:schemeClr val="accent1"/>
+            </a:effectRef>
+            <a:fontRef idx="minor">
+              <a:schemeClr val="lt1"/>
+            </a:fontRef>
+          </p:style>
+          <p:txBody>
+            <a:bodyPr rtlCol="0" anchor="ctr"/>
+            <a:lstStyle/>
+            <a:p>
+              <a:pPr algn="ctr"/>
+              <a:endParaRPr lang="en-US"/>
+            </a:p>
+          </p:txBody>
+        </p:sp>
+        <p:sp>
+          <p:nvSpPr>
+            <p:cNvPr id="10" name="Rectangle 9">
+              <a:extLst>
+                <a:ext uri="{FF2B5EF4-FFF2-40B4-BE49-F238E27FC236}">
+                  <a16:creationId xmlns:a16="http://schemas.microsoft.com/office/drawing/2014/main" id="{C3045FE0-B10E-4E1A-9622-DAC96BCCB68C}"/>
+                </a:ext>
+              </a:extLst>
+            </p:cNvPr>
+            <p:cNvSpPr/>
+            <p:nvPr/>
+          </p:nvSpPr>
+          <p:spPr>
+            <a:xfrm rot="2609910">
+              <a:off x="6057812" y="3180945"/>
+              <a:ext cx="496110" cy="496110"/>
+            </a:xfrm>
+            <a:prstGeom prst="rect">
+              <a:avLst/>
+            </a:prstGeom>
+            <a:ln w="38100">
+              <a:solidFill>
+                <a:schemeClr val="bg1"/>
+              </a:solidFill>
+            </a:ln>
+          </p:spPr>
+          <p:style>
+            <a:lnRef idx="2">
+              <a:schemeClr val="accent1">
+                <a:shade val="50000"/>
+              </a:schemeClr>
+            </a:lnRef>
+            <a:fillRef idx="1">
+              <a:schemeClr val="accent1"/>
+            </a:fillRef>
+            <a:effectRef idx="0">
+              <a:schemeClr val="accent1"/>
+            </a:effectRef>
+            <a:fontRef idx="minor">
+              <a:schemeClr val="lt1"/>
+            </a:fontRef>
+          </p:style>
+          <p:txBody>
+            <a:bodyPr rtlCol="0" anchor="ctr"/>
+            <a:lstStyle/>
+            <a:p>
+              <a:pPr algn="ctr"/>
+              <a:endParaRPr lang="en-US"/>
+            </a:p>
+          </p:txBody>
+        </p:sp>
+        <p:sp>
+          <p:nvSpPr>
+            <p:cNvPr id="12" name="Rectangle 11">
+              <a:extLst>
+                <a:ext uri="{FF2B5EF4-FFF2-40B4-BE49-F238E27FC236}">
+                  <a16:creationId xmlns:a16="http://schemas.microsoft.com/office/drawing/2014/main" id="{D9F808C6-336C-4FB7-B604-A963903DB1AD}"/>
+                </a:ext>
+              </a:extLst>
+            </p:cNvPr>
+            <p:cNvSpPr/>
+            <p:nvPr/>
+          </p:nvSpPr>
+          <p:spPr>
+            <a:xfrm rot="2609910">
+              <a:off x="6057809" y="4225658"/>
+              <a:ext cx="496110" cy="496110"/>
+            </a:xfrm>
+            <a:prstGeom prst="rect">
+              <a:avLst/>
+            </a:prstGeom>
+            <a:ln w="38100">
+              <a:solidFill>
+                <a:schemeClr val="bg1"/>
+              </a:solidFill>
+            </a:ln>
+          </p:spPr>
+          <p:style>
+            <a:lnRef idx="2">
+              <a:schemeClr val="accent1">
+                <a:shade val="50000"/>
+              </a:schemeClr>
+            </a:lnRef>
+            <a:fillRef idx="1">
+              <a:schemeClr val="accent1"/>
+            </a:fillRef>
+            <a:effectRef idx="0">
+              <a:schemeClr val="accent1"/>
+            </a:effectRef>
+            <a:fontRef idx="minor">
+              <a:schemeClr val="lt1"/>
+            </a:fontRef>
+          </p:style>
+          <p:txBody>
+            <a:bodyPr rtlCol="0" anchor="ctr"/>
+            <a:lstStyle/>
+            <a:p>
+              <a:pPr algn="ctr"/>
+              <a:endParaRPr lang="en-US"/>
+            </a:p>
+          </p:txBody>
+        </p:sp>
+        <p:sp>
+          <p:nvSpPr>
+            <p:cNvPr id="14" name="Rectangle 13">
+              <a:extLst>
+                <a:ext uri="{FF2B5EF4-FFF2-40B4-BE49-F238E27FC236}">
+                  <a16:creationId xmlns:a16="http://schemas.microsoft.com/office/drawing/2014/main" id="{FDB25A2F-A9BA-46EF-A112-8F2CDCAF8F96}"/>
+                </a:ext>
+              </a:extLst>
+            </p:cNvPr>
+            <p:cNvSpPr/>
+            <p:nvPr/>
+          </p:nvSpPr>
+          <p:spPr>
+            <a:xfrm rot="2609910">
+              <a:off x="6060639" y="5270369"/>
+              <a:ext cx="496110" cy="496110"/>
+            </a:xfrm>
+            <a:prstGeom prst="rect">
+              <a:avLst/>
+            </a:prstGeom>
+            <a:ln w="38100">
+              <a:solidFill>
+                <a:schemeClr val="bg1"/>
+              </a:solidFill>
+            </a:ln>
+          </p:spPr>
+          <p:style>
+            <a:lnRef idx="2">
+              <a:schemeClr val="accent1">
+                <a:shade val="50000"/>
+              </a:schemeClr>
+            </a:lnRef>
+            <a:fillRef idx="1">
+              <a:schemeClr val="accent1"/>
+            </a:fillRef>
+            <a:effectRef idx="0">
+              <a:schemeClr val="accent1"/>
+            </a:effectRef>
+            <a:fontRef idx="minor">
+              <a:schemeClr val="lt1"/>
+            </a:fontRef>
+          </p:style>
+          <p:txBody>
+            <a:bodyPr rtlCol="0" anchor="ctr"/>
+            <a:lstStyle/>
+            <a:p>
+              <a:pPr algn="ctr"/>
+              <a:endParaRPr lang="en-US"/>
+            </a:p>
+          </p:txBody>
+        </p:sp>
+        <p:sp>
+          <p:nvSpPr>
+            <p:cNvPr id="16" name="Rectangle 15">
+              <a:extLst>
+                <a:ext uri="{FF2B5EF4-FFF2-40B4-BE49-F238E27FC236}">
+                  <a16:creationId xmlns:a16="http://schemas.microsoft.com/office/drawing/2014/main" id="{C258A7C2-95C2-45FF-AB7A-9520A8809F47}"/>
+                </a:ext>
+              </a:extLst>
+            </p:cNvPr>
+            <p:cNvSpPr/>
+            <p:nvPr/>
+          </p:nvSpPr>
+          <p:spPr>
+            <a:xfrm rot="2609910">
+              <a:off x="6057811" y="6315080"/>
+              <a:ext cx="496110" cy="496110"/>
+            </a:xfrm>
+            <a:prstGeom prst="rect">
+              <a:avLst/>
+            </a:prstGeom>
+            <a:ln w="38100">
+              <a:solidFill>
+                <a:schemeClr val="bg1"/>
+              </a:solidFill>
+            </a:ln>
+          </p:spPr>
+          <p:style>
+            <a:lnRef idx="2">
+              <a:schemeClr val="accent1">
+                <a:shade val="50000"/>
+              </a:schemeClr>
+            </a:lnRef>
+            <a:fillRef idx="1">
+              <a:schemeClr val="accent1"/>
+            </a:fillRef>
+            <a:effectRef idx="0">
+              <a:schemeClr val="accent1"/>
+            </a:effectRef>
+            <a:fontRef idx="minor">
+              <a:schemeClr val="lt1"/>
+            </a:fontRef>
+          </p:style>
+          <p:txBody>
+            <a:bodyPr rtlCol="0" anchor="ctr"/>
+            <a:lstStyle/>
+            <a:p>
+              <a:pPr algn="ctr"/>
+              <a:endParaRPr lang="en-US"/>
+            </a:p>
+          </p:txBody>
+        </p:sp>
+      </p:grpSp>
+      <p:sp>
+        <p:nvSpPr>
+          <p:cNvPr id="19" name="Rectangle 18">
+            <a:extLst>
+              <a:ext uri="{FF2B5EF4-FFF2-40B4-BE49-F238E27FC236}">
+                <a16:creationId xmlns:a16="http://schemas.microsoft.com/office/drawing/2014/main" id="{AB0C8CBA-E533-4E1F-B3DD-E5D1ACB4DFFC}"/>
+              </a:ext>
+            </a:extLst>
+          </p:cNvPr>
+          <p:cNvSpPr/>
+          <p:nvPr/>
+        </p:nvSpPr>
+        <p:spPr>
+          <a:xfrm rot="2609910">
+            <a:off x="6113330" y="2026831"/>
+            <a:ext cx="385244" cy="385245"/>
+          </a:xfrm>
+          <a:prstGeom prst="rect">
+            <a:avLst/>
+          </a:prstGeom>
+          <a:solidFill>
+            <a:schemeClr val="accent1"/>
+          </a:solidFill>
+          <a:ln w="38100">
+            <a:solidFill>
+              <a:schemeClr val="bg1"/>
+            </a:solidFill>
+          </a:ln>
+        </p:spPr>
+        <p:style>
+          <a:lnRef idx="2">
+            <a:schemeClr val="accent1">
+              <a:shade val="50000"/>
+            </a:schemeClr>
+          </a:lnRef>
+          <a:fillRef idx="1">
+            <a:schemeClr val="accent1"/>
+          </a:fillRef>
+          <a:effectRef idx="0">
+            <a:schemeClr val="accent1"/>
+          </a:effectRef>
+          <a:fontRef idx="minor">
+            <a:schemeClr val="lt1"/>
+          </a:fontRef>
+        </p:style>
+        <p:txBody>
+          <a:bodyPr rtlCol="0" anchor="ctr"/>
+          <a:lstStyle/>
+          <a:p>
+            <a:pPr algn="ctr"/>
+            <a:endParaRPr lang="en-US"/>
+          </a:p>
+        </p:txBody>
+      </p:sp>
+      <p:sp>
+        <p:nvSpPr>
+          <p:cNvPr id="25" name="Rectangle 24">
+            <a:extLst>
+              <a:ext uri="{FF2B5EF4-FFF2-40B4-BE49-F238E27FC236}">
+                <a16:creationId xmlns:a16="http://schemas.microsoft.com/office/drawing/2014/main" id="{8C112337-240B-43DB-939C-776C91948005}"/>
+              </a:ext>
+            </a:extLst>
+          </p:cNvPr>
+          <p:cNvSpPr/>
+          <p:nvPr/>
+        </p:nvSpPr>
+        <p:spPr>
+          <a:xfrm rot="2609910">
+            <a:off x="6114069" y="3070999"/>
+            <a:ext cx="385244" cy="385245"/>
+          </a:xfrm>
+          <a:prstGeom prst="rect">
+            <a:avLst/>
+          </a:prstGeom>
+          <a:solidFill>
+            <a:schemeClr val="accent1"/>
+          </a:solidFill>
+          <a:ln w="38100">
+            <a:solidFill>
+              <a:schemeClr val="bg1"/>
+            </a:solidFill>
+          </a:ln>
+        </p:spPr>
+        <p:style>
+          <a:lnRef idx="2">
+            <a:schemeClr val="accent1">
+              <a:shade val="50000"/>
+            </a:schemeClr>
+          </a:lnRef>
+          <a:fillRef idx="1">
+            <a:schemeClr val="accent1"/>
+          </a:fillRef>
+          <a:effectRef idx="0">
+            <a:schemeClr val="accent1"/>
+          </a:effectRef>
+          <a:fontRef idx="minor">
+            <a:schemeClr val="lt1"/>
+          </a:fontRef>
+        </p:style>
+        <p:txBody>
+          <a:bodyPr rtlCol="0" anchor="ctr"/>
+          <a:lstStyle/>
+          <a:p>
+            <a:pPr algn="ctr"/>
+            <a:endParaRPr lang="en-US"/>
+          </a:p>
+        </p:txBody>
+      </p:sp>
+      <p:sp>
+        <p:nvSpPr>
+          <p:cNvPr id="27" name="Rectangle 26">
+            <a:extLst>
+              <a:ext uri="{FF2B5EF4-FFF2-40B4-BE49-F238E27FC236}">
+                <a16:creationId xmlns:a16="http://schemas.microsoft.com/office/drawing/2014/main" id="{218D1B66-ADCC-4FB7-A6CC-89BF558F87D6}"/>
+              </a:ext>
+            </a:extLst>
+          </p:cNvPr>
+          <p:cNvSpPr/>
+          <p:nvPr/>
+        </p:nvSpPr>
+        <p:spPr>
+          <a:xfrm rot="2609910">
+            <a:off x="6113242" y="4115712"/>
+            <a:ext cx="385244" cy="385245"/>
+          </a:xfrm>
+          <a:prstGeom prst="rect">
+            <a:avLst/>
+          </a:prstGeom>
+          <a:solidFill>
+            <a:schemeClr val="accent1"/>
+          </a:solidFill>
+          <a:ln w="38100">
+            <a:solidFill>
+              <a:schemeClr val="bg1"/>
+            </a:solidFill>
+          </a:ln>
+        </p:spPr>
+        <p:style>
+          <a:lnRef idx="2">
+            <a:schemeClr val="accent1">
+              <a:shade val="50000"/>
+            </a:schemeClr>
+          </a:lnRef>
+          <a:fillRef idx="1">
+            <a:schemeClr val="accent1"/>
+          </a:fillRef>
+          <a:effectRef idx="0">
+            <a:schemeClr val="accent1"/>
+          </a:effectRef>
+          <a:fontRef idx="minor">
+            <a:schemeClr val="lt1"/>
+          </a:fontRef>
+        </p:style>
+        <p:txBody>
+          <a:bodyPr rtlCol="0" anchor="ctr"/>
+          <a:lstStyle/>
+          <a:p>
+            <a:pPr algn="ctr"/>
+            <a:endParaRPr lang="en-US"/>
+          </a:p>
+        </p:txBody>
+      </p:sp>
+      <p:sp>
+        <p:nvSpPr>
+          <p:cNvPr id="29" name="Rectangle 28">
+            <a:extLst>
+              <a:ext uri="{FF2B5EF4-FFF2-40B4-BE49-F238E27FC236}">
+                <a16:creationId xmlns:a16="http://schemas.microsoft.com/office/drawing/2014/main" id="{D6F15F07-B653-4A03-A5E7-A9BC9E8DB900}"/>
+              </a:ext>
+            </a:extLst>
+          </p:cNvPr>
+          <p:cNvSpPr/>
+          <p:nvPr/>
+        </p:nvSpPr>
+        <p:spPr>
+          <a:xfrm rot="2609910">
+            <a:off x="6113243" y="5158064"/>
+            <a:ext cx="385244" cy="385245"/>
+          </a:xfrm>
+          <a:prstGeom prst="rect">
+            <a:avLst/>
+          </a:prstGeom>
+          <a:solidFill>
+            <a:schemeClr val="accent1"/>
+          </a:solidFill>
+          <a:ln w="38100">
+            <a:solidFill>
+              <a:schemeClr val="bg1"/>
+            </a:solidFill>
+          </a:ln>
+        </p:spPr>
+        <p:style>
+          <a:lnRef idx="2">
+            <a:schemeClr val="accent1">
+              <a:shade val="50000"/>
+            </a:schemeClr>
+          </a:lnRef>
+          <a:fillRef idx="1">
+            <a:schemeClr val="accent1"/>
+          </a:fillRef>
+          <a:effectRef idx="0">
+            <a:schemeClr val="accent1"/>
+          </a:effectRef>
+          <a:fontRef idx="minor">
+            <a:schemeClr val="lt1"/>
+          </a:fontRef>
+        </p:style>
+        <p:txBody>
+          <a:bodyPr rtlCol="0" anchor="ctr"/>
+          <a:lstStyle/>
+          <a:p>
+            <a:pPr algn="ctr"/>
+            <a:endParaRPr lang="en-US"/>
+          </a:p>
+        </p:txBody>
+      </p:sp>
+      <p:sp>
+        <p:nvSpPr>
+          <p:cNvPr id="31" name="Rectangle 30">
+            <a:extLst>
+              <a:ext uri="{FF2B5EF4-FFF2-40B4-BE49-F238E27FC236}">
+                <a16:creationId xmlns:a16="http://schemas.microsoft.com/office/drawing/2014/main" id="{EF763653-82D4-4BB0-90D5-2FCBAD350B68}"/>
+              </a:ext>
+            </a:extLst>
+          </p:cNvPr>
+          <p:cNvSpPr/>
+          <p:nvPr/>
+        </p:nvSpPr>
+        <p:spPr>
+          <a:xfrm rot="2609910">
+            <a:off x="6113243" y="6205135"/>
+            <a:ext cx="385244" cy="385245"/>
+          </a:xfrm>
+          <a:prstGeom prst="rect">
+            <a:avLst/>
+          </a:prstGeom>
+          <a:solidFill>
+            <a:schemeClr val="accent1"/>
+          </a:solidFill>
+          <a:ln w="38100">
+            <a:solidFill>
+              <a:schemeClr val="bg1"/>
+            </a:solidFill>
+          </a:ln>
+        </p:spPr>
+        <p:style>
+          <a:lnRef idx="2">
+            <a:schemeClr val="accent1">
+              <a:shade val="50000"/>
+            </a:schemeClr>
+          </a:lnRef>
+          <a:fillRef idx="1">
+            <a:schemeClr val="accent1"/>
+          </a:fillRef>
+          <a:effectRef idx="0">
+            <a:schemeClr val="accent1"/>
+          </a:effectRef>
+          <a:fontRef idx="minor">
+            <a:schemeClr val="lt1"/>
+          </a:fontRef>
+        </p:style>
+        <p:txBody>
+          <a:bodyPr rtlCol="0" anchor="ctr"/>
+          <a:lstStyle/>
+          <a:p>
+            <a:pPr algn="ctr"/>
+            <a:endParaRPr lang="en-US"/>
+          </a:p>
+        </p:txBody>
+      </p:sp>
+      <p:pic>
+        <p:nvPicPr>
+          <p:cNvPr id="38" name="Graphic 37" descr="Postit Notes">
+            <a:extLst>
+              <a:ext uri="{FF2B5EF4-FFF2-40B4-BE49-F238E27FC236}">
+                <a16:creationId xmlns:a16="http://schemas.microsoft.com/office/drawing/2014/main" id="{4C51EF00-5C80-420E-8D17-9FEFAC19258B}"/>
+              </a:ext>
+            </a:extLst>
+          </p:cNvPr>
+          <p:cNvPicPr>
+            <a:picLocks noChangeAspect="1"/>
+          </p:cNvPicPr>
+          <p:nvPr/>
+        </p:nvPicPr>
+        <p:blipFill>
+          <a:blip r:embed="rId4">
+            <a:extLst>
+              <a:ext uri="{28A0092B-C50C-407E-A947-70E740481C1C}">
+                <a14:useLocalDpi xmlns:a14="http://schemas.microsoft.com/office/drawing/2010/main" val="0"/>
+              </a:ext>
+              <a:ext uri="{96DAC541-7B7A-43D3-8B79-37D633B846F1}">
+                <asvg:svgBlip xmlns:asvg="http://schemas.microsoft.com/office/drawing/2016/SVG/main" r:embed="rId5"/>
+              </a:ext>
+            </a:extLst>
+          </a:blip>
+          <a:stretch>
+            <a:fillRect/>
+          </a:stretch>
+        </p:blipFill>
+        <p:spPr>
+          <a:xfrm>
+            <a:off x="6137331" y="2051974"/>
+            <a:ext cx="319137" cy="319137"/>
+          </a:xfrm>
+          <a:prstGeom prst="rect">
+            <a:avLst/>
+          </a:prstGeom>
+        </p:spPr>
+      </p:pic>
+      <p:pic>
+        <p:nvPicPr>
+          <p:cNvPr id="40" name="Graphic 39" descr="Flying Money">
+            <a:extLst>
+              <a:ext uri="{FF2B5EF4-FFF2-40B4-BE49-F238E27FC236}">
+                <a16:creationId xmlns:a16="http://schemas.microsoft.com/office/drawing/2014/main" id="{8D03F1E9-EC94-4932-9ECE-433D2B56F244}"/>
+              </a:ext>
+            </a:extLst>
+          </p:cNvPr>
+          <p:cNvPicPr>
+            <a:picLocks noChangeAspect="1"/>
+          </p:cNvPicPr>
+          <p:nvPr/>
+        </p:nvPicPr>
+        <p:blipFill>
+          <a:blip r:embed="rId6">
+            <a:extLst>
+              <a:ext uri="{28A0092B-C50C-407E-A947-70E740481C1C}">
+                <a14:useLocalDpi xmlns:a14="http://schemas.microsoft.com/office/drawing/2010/main" val="0"/>
+              </a:ext>
+              <a:ext uri="{96DAC541-7B7A-43D3-8B79-37D633B846F1}">
+                <asvg:svgBlip xmlns:asvg="http://schemas.microsoft.com/office/drawing/2016/SVG/main" r:embed="rId7"/>
+              </a:ext>
+            </a:extLst>
+          </a:blip>
+          <a:stretch>
+            <a:fillRect/>
+          </a:stretch>
+        </p:blipFill>
+        <p:spPr>
+          <a:xfrm>
+            <a:off x="6177067" y="3103124"/>
+            <a:ext cx="304252" cy="304252"/>
+          </a:xfrm>
+          <a:prstGeom prst="rect">
+            <a:avLst/>
+          </a:prstGeom>
+        </p:spPr>
+      </p:pic>
+      <p:pic>
+        <p:nvPicPr>
+          <p:cNvPr id="42" name="Graphic 41" descr="Social network">
+            <a:extLst>
+              <a:ext uri="{FF2B5EF4-FFF2-40B4-BE49-F238E27FC236}">
+                <a16:creationId xmlns:a16="http://schemas.microsoft.com/office/drawing/2014/main" id="{C67BC95F-60FD-42EB-BCFA-0D261293A2C2}"/>
+              </a:ext>
+            </a:extLst>
+          </p:cNvPr>
+          <p:cNvPicPr>
+            <a:picLocks noChangeAspect="1"/>
+          </p:cNvPicPr>
+          <p:nvPr/>
+        </p:nvPicPr>
+        <p:blipFill>
+          <a:blip r:embed="rId8">
+            <a:extLst>
+              <a:ext uri="{28A0092B-C50C-407E-A947-70E740481C1C}">
+                <a14:useLocalDpi xmlns:a14="http://schemas.microsoft.com/office/drawing/2010/main" val="0"/>
+              </a:ext>
+              <a:ext uri="{96DAC541-7B7A-43D3-8B79-37D633B846F1}">
+                <asvg:svgBlip xmlns:asvg="http://schemas.microsoft.com/office/drawing/2016/SVG/main" r:embed="rId9"/>
+              </a:ext>
+            </a:extLst>
+          </a:blip>
+          <a:stretch>
+            <a:fillRect/>
+          </a:stretch>
+        </p:blipFill>
+        <p:spPr>
+          <a:xfrm>
+            <a:off x="6148332" y="4137202"/>
+            <a:ext cx="342266" cy="342266"/>
+          </a:xfrm>
+          <a:prstGeom prst="rect">
+            <a:avLst/>
+          </a:prstGeom>
+        </p:spPr>
+      </p:pic>
+      <p:pic>
+        <p:nvPicPr>
+          <p:cNvPr id="44" name="Graphic 43" descr="Race Flag">
+            <a:extLst>
+              <a:ext uri="{FF2B5EF4-FFF2-40B4-BE49-F238E27FC236}">
+                <a16:creationId xmlns:a16="http://schemas.microsoft.com/office/drawing/2014/main" id="{C5C902BB-1B52-44C2-81FC-FA577FF35403}"/>
+              </a:ext>
+            </a:extLst>
+          </p:cNvPr>
+          <p:cNvPicPr>
+            <a:picLocks noChangeAspect="1"/>
+          </p:cNvPicPr>
+          <p:nvPr/>
+        </p:nvPicPr>
+        <p:blipFill>
+          <a:blip r:embed="rId10">
+            <a:extLst>
+              <a:ext uri="{28A0092B-C50C-407E-A947-70E740481C1C}">
+                <a14:useLocalDpi xmlns:a14="http://schemas.microsoft.com/office/drawing/2010/main" val="0"/>
+              </a:ext>
+              <a:ext uri="{96DAC541-7B7A-43D3-8B79-37D633B846F1}">
+                <asvg:svgBlip xmlns:asvg="http://schemas.microsoft.com/office/drawing/2016/SVG/main" r:embed="rId11"/>
+              </a:ext>
+            </a:extLst>
+          </a:blip>
+          <a:stretch>
+            <a:fillRect/>
+          </a:stretch>
+        </p:blipFill>
+        <p:spPr>
+          <a:xfrm>
+            <a:off x="6138062" y="6206131"/>
+            <a:ext cx="352536" cy="352536"/>
+          </a:xfrm>
+          <a:prstGeom prst="rect">
+            <a:avLst/>
+          </a:prstGeom>
+        </p:spPr>
+      </p:pic>
+      <p:pic>
+        <p:nvPicPr>
+          <p:cNvPr id="46" name="Graphic 45" descr="Web design">
+            <a:extLst>
+              <a:ext uri="{FF2B5EF4-FFF2-40B4-BE49-F238E27FC236}">
+                <a16:creationId xmlns:a16="http://schemas.microsoft.com/office/drawing/2014/main" id="{C013CBC8-619C-4AF4-A19A-4067CC01579C}"/>
+              </a:ext>
+            </a:extLst>
+          </p:cNvPr>
+          <p:cNvPicPr>
+            <a:picLocks noChangeAspect="1"/>
+          </p:cNvPicPr>
+          <p:nvPr/>
+        </p:nvPicPr>
+        <p:blipFill>
+          <a:blip r:embed="rId12">
+            <a:extLst>
+              <a:ext uri="{28A0092B-C50C-407E-A947-70E740481C1C}">
+                <a14:useLocalDpi xmlns:a14="http://schemas.microsoft.com/office/drawing/2010/main" val="0"/>
+              </a:ext>
+              <a:ext uri="{96DAC541-7B7A-43D3-8B79-37D633B846F1}">
+                <asvg:svgBlip xmlns:asvg="http://schemas.microsoft.com/office/drawing/2016/SVG/main" r:embed="rId13"/>
+              </a:ext>
+            </a:extLst>
+          </a:blip>
+          <a:stretch>
+            <a:fillRect/>
+          </a:stretch>
+        </p:blipFill>
+        <p:spPr>
+          <a:xfrm>
+            <a:off x="6162203" y="5205533"/>
+            <a:ext cx="304253" cy="304253"/>
+          </a:xfrm>
+          <a:prstGeom prst="rect">
+            <a:avLst/>
+          </a:prstGeom>
+        </p:spPr>
+      </p:pic>
+      <p:sp>
+        <p:nvSpPr>
+          <p:cNvPr id="47" name="L-Shape 46">
+            <a:extLst>
+              <a:ext uri="{FF2B5EF4-FFF2-40B4-BE49-F238E27FC236}">
+                <a16:creationId xmlns:a16="http://schemas.microsoft.com/office/drawing/2014/main" id="{2E664779-54B9-409C-B09B-9E45BC3ED66D}"/>
+              </a:ext>
+            </a:extLst>
+          </p:cNvPr>
+          <p:cNvSpPr/>
+          <p:nvPr/>
+        </p:nvSpPr>
+        <p:spPr>
+          <a:xfrm rot="16200000">
+            <a:off x="9482360" y="307099"/>
+            <a:ext cx="758909" cy="2008269"/>
+          </a:xfrm>
+          <a:prstGeom prst="corner">
+            <a:avLst>
+              <a:gd name="adj1" fmla="val 17606"/>
+              <a:gd name="adj2" fmla="val 16093"/>
+            </a:avLst>
+          </a:prstGeom>
+        </p:spPr>
+        <p:style>
+          <a:lnRef idx="2">
+            <a:schemeClr val="accent1">
+              <a:shade val="50000"/>
+            </a:schemeClr>
+          </a:lnRef>
+          <a:fillRef idx="1">
+            <a:schemeClr val="accent1"/>
+          </a:fillRef>
+          <a:effectRef idx="0">
+            <a:schemeClr val="accent1"/>
+          </a:effectRef>
+          <a:fontRef idx="minor">
+            <a:schemeClr val="lt1"/>
+          </a:fontRef>
+        </p:style>
+        <p:txBody>
+          <a:bodyPr rtlCol="0" anchor="ctr"/>
+          <a:lstStyle/>
+          <a:p>
+            <a:pPr algn="ctr"/>
+            <a:endParaRPr lang="en-US"/>
+          </a:p>
+        </p:txBody>
+      </p:sp>
+      <p:sp>
+        <p:nvSpPr>
+          <p:cNvPr id="49" name="TextBox 48">
+            <a:extLst>
+              <a:ext uri="{FF2B5EF4-FFF2-40B4-BE49-F238E27FC236}">
+                <a16:creationId xmlns:a16="http://schemas.microsoft.com/office/drawing/2014/main" id="{35B85AFA-D72D-4873-B113-E9A021407E24}"/>
+              </a:ext>
+            </a:extLst>
+          </p:cNvPr>
+          <p:cNvSpPr txBox="1"/>
+          <p:nvPr/>
+        </p:nvSpPr>
+        <p:spPr>
+          <a:xfrm>
+            <a:off x="7542195" y="6189104"/>
+            <a:ext cx="6094378" cy="369332"/>
+          </a:xfrm>
+          <a:prstGeom prst="rect">
+            <a:avLst/>
+          </a:prstGeom>
+          <a:noFill/>
+        </p:spPr>
+        <p:txBody>
+          <a:bodyPr wrap="square">
+            <a:spAutoFit/>
+          </a:bodyPr>
+          <a:lstStyle/>
+          <a:p>
+            <a:r>
+              <a:rPr lang="en-US" dirty="0"/>
+              <a:t>Conclusion</a:t>
+            </a:r>
+          </a:p>
+        </p:txBody>
+      </p:sp>
+      <p:sp>
+        <p:nvSpPr>
+          <p:cNvPr id="51" name="TextBox 50">
+            <a:extLst>
+              <a:ext uri="{FF2B5EF4-FFF2-40B4-BE49-F238E27FC236}">
+                <a16:creationId xmlns:a16="http://schemas.microsoft.com/office/drawing/2014/main" id="{DC8ED9CF-C653-453F-811D-9A94D72C6F7C}"/>
+              </a:ext>
+            </a:extLst>
+          </p:cNvPr>
+          <p:cNvSpPr txBox="1"/>
+          <p:nvPr/>
+        </p:nvSpPr>
+        <p:spPr>
+          <a:xfrm>
+            <a:off x="7542195" y="5180758"/>
+            <a:ext cx="6527258" cy="369332"/>
+          </a:xfrm>
+          <a:prstGeom prst="rect">
+            <a:avLst/>
+          </a:prstGeom>
+          <a:noFill/>
+        </p:spPr>
+        <p:txBody>
+          <a:bodyPr wrap="square">
+            <a:spAutoFit/>
+          </a:bodyPr>
+          <a:lstStyle/>
+          <a:p>
+            <a:r>
+              <a:rPr lang="en-US" dirty="0"/>
+              <a:t>Website</a:t>
+            </a:r>
+          </a:p>
+        </p:txBody>
+      </p:sp>
+      <p:sp>
+        <p:nvSpPr>
+          <p:cNvPr id="53" name="TextBox 52">
+            <a:extLst>
+              <a:ext uri="{FF2B5EF4-FFF2-40B4-BE49-F238E27FC236}">
+                <a16:creationId xmlns:a16="http://schemas.microsoft.com/office/drawing/2014/main" id="{78E0F953-7132-41AD-8E34-3755CB53B048}"/>
+              </a:ext>
+            </a:extLst>
+          </p:cNvPr>
+          <p:cNvSpPr txBox="1"/>
+          <p:nvPr/>
+        </p:nvSpPr>
+        <p:spPr>
+          <a:xfrm>
+            <a:off x="7564341" y="4123668"/>
+            <a:ext cx="6736404" cy="369332"/>
+          </a:xfrm>
+          <a:prstGeom prst="rect">
+            <a:avLst/>
+          </a:prstGeom>
+          <a:noFill/>
+        </p:spPr>
+        <p:txBody>
+          <a:bodyPr wrap="square">
+            <a:spAutoFit/>
+          </a:bodyPr>
+          <a:lstStyle/>
+          <a:p>
+            <a:r>
+              <a:rPr lang="en-US" dirty="0"/>
+              <a:t>Who we are</a:t>
+            </a:r>
+          </a:p>
+        </p:txBody>
+      </p:sp>
+      <p:sp>
+        <p:nvSpPr>
+          <p:cNvPr id="55" name="TextBox 54">
+            <a:extLst>
+              <a:ext uri="{FF2B5EF4-FFF2-40B4-BE49-F238E27FC236}">
+                <a16:creationId xmlns:a16="http://schemas.microsoft.com/office/drawing/2014/main" id="{11E570CD-C121-4B6D-A76B-4AB4B8441E23}"/>
+              </a:ext>
+            </a:extLst>
+          </p:cNvPr>
+          <p:cNvSpPr txBox="1"/>
+          <p:nvPr/>
+        </p:nvSpPr>
+        <p:spPr>
+          <a:xfrm>
+            <a:off x="7562078" y="3089432"/>
+            <a:ext cx="6785042" cy="369332"/>
+          </a:xfrm>
+          <a:prstGeom prst="rect">
+            <a:avLst/>
+          </a:prstGeom>
+          <a:noFill/>
+        </p:spPr>
+        <p:txBody>
+          <a:bodyPr wrap="square">
+            <a:spAutoFit/>
+          </a:bodyPr>
+          <a:lstStyle/>
+          <a:p>
+            <a:r>
+              <a:rPr lang="en-US" dirty="0"/>
+              <a:t>Prices</a:t>
+            </a:r>
+          </a:p>
+        </p:txBody>
+      </p:sp>
+      <p:sp>
+        <p:nvSpPr>
+          <p:cNvPr id="57" name="TextBox 56">
+            <a:extLst>
+              <a:ext uri="{FF2B5EF4-FFF2-40B4-BE49-F238E27FC236}">
+                <a16:creationId xmlns:a16="http://schemas.microsoft.com/office/drawing/2014/main" id="{FB6BF3B3-4244-4B0A-AA60-7A76694E1E35}"/>
+              </a:ext>
+            </a:extLst>
+          </p:cNvPr>
+          <p:cNvSpPr txBox="1"/>
+          <p:nvPr/>
+        </p:nvSpPr>
+        <p:spPr>
+          <a:xfrm>
+            <a:off x="7574119" y="2026876"/>
+            <a:ext cx="6809360" cy="369332"/>
+          </a:xfrm>
+          <a:prstGeom prst="rect">
+            <a:avLst/>
+          </a:prstGeom>
+          <a:noFill/>
+        </p:spPr>
+        <p:txBody>
+          <a:bodyPr wrap="square">
+            <a:spAutoFit/>
+          </a:bodyPr>
+          <a:lstStyle/>
+          <a:p>
+            <a:r>
+              <a:rPr lang="en-US" dirty="0"/>
+              <a:t>What it is</a:t>
+            </a:r>
+          </a:p>
+        </p:txBody>
+      </p:sp>
+      <p:cxnSp>
+        <p:nvCxnSpPr>
+          <p:cNvPr id="59" name="Straight Arrow Connector 58">
+            <a:extLst>
+              <a:ext uri="{FF2B5EF4-FFF2-40B4-BE49-F238E27FC236}">
+                <a16:creationId xmlns:a16="http://schemas.microsoft.com/office/drawing/2014/main" id="{6DEB3BE7-998B-4627-839A-AA98A761F232}"/>
+              </a:ext>
+            </a:extLst>
+          </p:cNvPr>
+          <p:cNvCxnSpPr/>
+          <p:nvPr/>
+        </p:nvCxnSpPr>
+        <p:spPr>
+          <a:xfrm>
+            <a:off x="6682902" y="2211542"/>
+            <a:ext cx="865762" cy="0"/>
+          </a:xfrm>
+          <a:prstGeom prst="straightConnector1">
+            <a:avLst/>
+          </a:prstGeom>
+          <a:ln w="50800">
+            <a:tailEnd type="triangle"/>
+          </a:ln>
+        </p:spPr>
+        <p:style>
+          <a:lnRef idx="1">
+            <a:schemeClr val="accent1"/>
+          </a:lnRef>
+          <a:fillRef idx="0">
+            <a:schemeClr val="accent1"/>
+          </a:fillRef>
+          <a:effectRef idx="0">
+            <a:schemeClr val="accent1"/>
+          </a:effectRef>
+          <a:fontRef idx="minor">
+            <a:schemeClr val="tx1"/>
+          </a:fontRef>
+        </p:style>
+      </p:cxnSp>
+      <p:cxnSp>
+        <p:nvCxnSpPr>
+          <p:cNvPr id="60" name="Straight Arrow Connector 59">
+            <a:extLst>
+              <a:ext uri="{FF2B5EF4-FFF2-40B4-BE49-F238E27FC236}">
+                <a16:creationId xmlns:a16="http://schemas.microsoft.com/office/drawing/2014/main" id="{260A8430-DC54-467F-B045-4A47B5981E01}"/>
+              </a:ext>
+            </a:extLst>
+          </p:cNvPr>
+          <p:cNvCxnSpPr/>
+          <p:nvPr/>
+        </p:nvCxnSpPr>
+        <p:spPr>
+          <a:xfrm>
+            <a:off x="6676433" y="5350686"/>
+            <a:ext cx="865762" cy="0"/>
+          </a:xfrm>
+          <a:prstGeom prst="straightConnector1">
+            <a:avLst/>
+          </a:prstGeom>
+          <a:ln w="50800">
+            <a:tailEnd type="triangle"/>
+          </a:ln>
+        </p:spPr>
+        <p:style>
+          <a:lnRef idx="1">
+            <a:schemeClr val="accent1"/>
+          </a:lnRef>
+          <a:fillRef idx="0">
+            <a:schemeClr val="accent1"/>
+          </a:fillRef>
+          <a:effectRef idx="0">
+            <a:schemeClr val="accent1"/>
+          </a:effectRef>
+          <a:fontRef idx="minor">
+            <a:schemeClr val="tx1"/>
+          </a:fontRef>
+        </p:style>
+      </p:cxnSp>
+      <p:cxnSp>
+        <p:nvCxnSpPr>
+          <p:cNvPr id="61" name="Straight Arrow Connector 60">
+            <a:extLst>
+              <a:ext uri="{FF2B5EF4-FFF2-40B4-BE49-F238E27FC236}">
+                <a16:creationId xmlns:a16="http://schemas.microsoft.com/office/drawing/2014/main" id="{4E3FBB20-C352-4EEB-8FDE-62AC8A5CC4B7}"/>
+              </a:ext>
+            </a:extLst>
+          </p:cNvPr>
+          <p:cNvCxnSpPr/>
+          <p:nvPr/>
+        </p:nvCxnSpPr>
+        <p:spPr>
+          <a:xfrm>
+            <a:off x="6676433" y="4308334"/>
+            <a:ext cx="865762" cy="0"/>
+          </a:xfrm>
+          <a:prstGeom prst="straightConnector1">
+            <a:avLst/>
+          </a:prstGeom>
+          <a:ln w="50800">
+            <a:tailEnd type="triangle"/>
+          </a:ln>
+        </p:spPr>
+        <p:style>
+          <a:lnRef idx="1">
+            <a:schemeClr val="accent1"/>
+          </a:lnRef>
+          <a:fillRef idx="0">
+            <a:schemeClr val="accent1"/>
+          </a:fillRef>
+          <a:effectRef idx="0">
+            <a:schemeClr val="accent1"/>
+          </a:effectRef>
+          <a:fontRef idx="minor">
+            <a:schemeClr val="tx1"/>
+          </a:fontRef>
+        </p:style>
+      </p:cxnSp>
+      <p:cxnSp>
+        <p:nvCxnSpPr>
+          <p:cNvPr id="62" name="Straight Arrow Connector 61">
+            <a:extLst>
+              <a:ext uri="{FF2B5EF4-FFF2-40B4-BE49-F238E27FC236}">
+                <a16:creationId xmlns:a16="http://schemas.microsoft.com/office/drawing/2014/main" id="{FA11E042-31CD-4D11-81C1-A981EA16C433}"/>
+              </a:ext>
+            </a:extLst>
+          </p:cNvPr>
+          <p:cNvCxnSpPr/>
+          <p:nvPr/>
+        </p:nvCxnSpPr>
+        <p:spPr>
+          <a:xfrm>
+            <a:off x="6676433" y="3263621"/>
+            <a:ext cx="865762" cy="0"/>
+          </a:xfrm>
+          <a:prstGeom prst="straightConnector1">
+            <a:avLst/>
+          </a:prstGeom>
+          <a:ln w="50800">
+            <a:tailEnd type="triangle"/>
+          </a:ln>
+        </p:spPr>
+        <p:style>
+          <a:lnRef idx="1">
+            <a:schemeClr val="accent1"/>
+          </a:lnRef>
+          <a:fillRef idx="0">
+            <a:schemeClr val="accent1"/>
+          </a:fillRef>
+          <a:effectRef idx="0">
+            <a:schemeClr val="accent1"/>
+          </a:effectRef>
+          <a:fontRef idx="minor">
+            <a:schemeClr val="tx1"/>
+          </a:fontRef>
+        </p:style>
+      </p:cxnSp>
+      <p:cxnSp>
+        <p:nvCxnSpPr>
+          <p:cNvPr id="63" name="Straight Arrow Connector 62">
+            <a:extLst>
+              <a:ext uri="{FF2B5EF4-FFF2-40B4-BE49-F238E27FC236}">
+                <a16:creationId xmlns:a16="http://schemas.microsoft.com/office/drawing/2014/main" id="{C717D374-8AC2-4D62-BC8A-D5F488AF6933}"/>
+              </a:ext>
+            </a:extLst>
+          </p:cNvPr>
+          <p:cNvCxnSpPr/>
+          <p:nvPr/>
+        </p:nvCxnSpPr>
+        <p:spPr>
+          <a:xfrm>
+            <a:off x="6676433" y="6382399"/>
+            <a:ext cx="865762" cy="0"/>
+          </a:xfrm>
+          <a:prstGeom prst="straightConnector1">
+            <a:avLst/>
+          </a:prstGeom>
+          <a:ln w="50800">
+            <a:tailEnd type="triangle"/>
+          </a:ln>
+        </p:spPr>
+        <p:style>
+          <a:lnRef idx="1">
+            <a:schemeClr val="accent1"/>
+          </a:lnRef>
+          <a:fillRef idx="0">
+            <a:schemeClr val="accent1"/>
+          </a:fillRef>
+          <a:effectRef idx="0">
+            <a:schemeClr val="accent1"/>
+          </a:effectRef>
+          <a:fontRef idx="minor">
+            <a:schemeClr val="tx1"/>
+          </a:fontRef>
+        </p:style>
+      </p:cxnSp>
+      <p:cxnSp>
+        <p:nvCxnSpPr>
+          <p:cNvPr id="64" name="Straight Arrow Connector 63">
+            <a:extLst>
+              <a:ext uri="{FF2B5EF4-FFF2-40B4-BE49-F238E27FC236}">
+                <a16:creationId xmlns:a16="http://schemas.microsoft.com/office/drawing/2014/main" id="{DA468D1D-ECC0-458D-B6F7-1CA2B3A87FFF}"/>
+              </a:ext>
+            </a:extLst>
+          </p:cNvPr>
+          <p:cNvCxnSpPr>
+            <a:cxnSpLocks/>
+          </p:cNvCxnSpPr>
+          <p:nvPr/>
+        </p:nvCxnSpPr>
+        <p:spPr>
+          <a:xfrm>
+            <a:off x="8290230" y="2491769"/>
+            <a:ext cx="5036661" cy="0"/>
+          </a:xfrm>
+          <a:prstGeom prst="straightConnector1">
+            <a:avLst/>
+          </a:prstGeom>
+          <a:ln w="50800">
+            <a:tailEnd type="triangle"/>
+          </a:ln>
+        </p:spPr>
+        <p:style>
+          <a:lnRef idx="1">
+            <a:schemeClr val="accent1"/>
+          </a:lnRef>
+          <a:fillRef idx="0">
+            <a:schemeClr val="accent1"/>
+          </a:fillRef>
+          <a:effectRef idx="0">
+            <a:schemeClr val="accent1"/>
+          </a:effectRef>
+          <a:fontRef idx="minor">
+            <a:schemeClr val="tx1"/>
+          </a:fontRef>
+        </p:style>
+      </p:cxnSp>
+      <p:cxnSp>
+        <p:nvCxnSpPr>
+          <p:cNvPr id="66" name="Straight Arrow Connector 65">
+            <a:extLst>
+              <a:ext uri="{FF2B5EF4-FFF2-40B4-BE49-F238E27FC236}">
+                <a16:creationId xmlns:a16="http://schemas.microsoft.com/office/drawing/2014/main" id="{9C602709-83A7-46EA-B772-78A328E64967}"/>
+              </a:ext>
+            </a:extLst>
+          </p:cNvPr>
+          <p:cNvCxnSpPr>
+            <a:cxnSpLocks/>
+          </p:cNvCxnSpPr>
+          <p:nvPr/>
+        </p:nvCxnSpPr>
+        <p:spPr>
+          <a:xfrm>
+            <a:off x="8347617" y="5703731"/>
+            <a:ext cx="5036661" cy="0"/>
+          </a:xfrm>
+          <a:prstGeom prst="straightConnector1">
+            <a:avLst/>
+          </a:prstGeom>
+          <a:ln w="50800">
+            <a:tailEnd type="triangle"/>
+          </a:ln>
+        </p:spPr>
+        <p:style>
+          <a:lnRef idx="1">
+            <a:schemeClr val="accent1"/>
+          </a:lnRef>
+          <a:fillRef idx="0">
+            <a:schemeClr val="accent1"/>
+          </a:fillRef>
+          <a:effectRef idx="0">
+            <a:schemeClr val="accent1"/>
+          </a:effectRef>
+          <a:fontRef idx="minor">
+            <a:schemeClr val="tx1"/>
+          </a:fontRef>
+        </p:style>
+      </p:cxnSp>
+      <p:cxnSp>
+        <p:nvCxnSpPr>
+          <p:cNvPr id="67" name="Straight Arrow Connector 66">
+            <a:extLst>
+              <a:ext uri="{FF2B5EF4-FFF2-40B4-BE49-F238E27FC236}">
+                <a16:creationId xmlns:a16="http://schemas.microsoft.com/office/drawing/2014/main" id="{C3094D6A-69D5-494E-AAA2-249C983BA76C}"/>
+              </a:ext>
+            </a:extLst>
+          </p:cNvPr>
+          <p:cNvCxnSpPr>
+            <a:cxnSpLocks/>
+          </p:cNvCxnSpPr>
+          <p:nvPr/>
+        </p:nvCxnSpPr>
+        <p:spPr>
+          <a:xfrm>
+            <a:off x="8347618" y="4659020"/>
+            <a:ext cx="5036661" cy="0"/>
+          </a:xfrm>
+          <a:prstGeom prst="straightConnector1">
+            <a:avLst/>
+          </a:prstGeom>
+          <a:ln w="50800">
+            <a:tailEnd type="triangle"/>
+          </a:ln>
+        </p:spPr>
+        <p:style>
+          <a:lnRef idx="1">
+            <a:schemeClr val="accent1"/>
+          </a:lnRef>
+          <a:fillRef idx="0">
+            <a:schemeClr val="accent1"/>
+          </a:fillRef>
+          <a:effectRef idx="0">
+            <a:schemeClr val="accent1"/>
+          </a:effectRef>
+          <a:fontRef idx="minor">
+            <a:schemeClr val="tx1"/>
+          </a:fontRef>
+        </p:style>
+      </p:cxnSp>
+      <p:cxnSp>
+        <p:nvCxnSpPr>
+          <p:cNvPr id="68" name="Straight Arrow Connector 67">
+            <a:extLst>
+              <a:ext uri="{FF2B5EF4-FFF2-40B4-BE49-F238E27FC236}">
+                <a16:creationId xmlns:a16="http://schemas.microsoft.com/office/drawing/2014/main" id="{F91F864B-91BF-4544-B09D-E194DD716FB3}"/>
+              </a:ext>
+            </a:extLst>
+          </p:cNvPr>
+          <p:cNvCxnSpPr>
+            <a:cxnSpLocks/>
+          </p:cNvCxnSpPr>
+          <p:nvPr/>
+        </p:nvCxnSpPr>
+        <p:spPr>
+          <a:xfrm>
+            <a:off x="8290229" y="3542225"/>
+            <a:ext cx="5036661" cy="0"/>
+          </a:xfrm>
+          <a:prstGeom prst="straightConnector1">
+            <a:avLst/>
+          </a:prstGeom>
+          <a:ln w="50800">
+            <a:tailEnd type="triangle"/>
+          </a:ln>
+        </p:spPr>
+        <p:style>
+          <a:lnRef idx="1">
+            <a:schemeClr val="accent1"/>
+          </a:lnRef>
+          <a:fillRef idx="0">
+            <a:schemeClr val="accent1"/>
+          </a:fillRef>
+          <a:effectRef idx="0">
+            <a:schemeClr val="accent1"/>
+          </a:effectRef>
+          <a:fontRef idx="minor">
+            <a:schemeClr val="tx1"/>
+          </a:fontRef>
+        </p:style>
+      </p:cxnSp>
+      <p:cxnSp>
+        <p:nvCxnSpPr>
+          <p:cNvPr id="69" name="Straight Arrow Connector 68">
+            <a:extLst>
+              <a:ext uri="{FF2B5EF4-FFF2-40B4-BE49-F238E27FC236}">
+                <a16:creationId xmlns:a16="http://schemas.microsoft.com/office/drawing/2014/main" id="{988BA075-4218-4581-843E-44D07A48F212}"/>
+              </a:ext>
+            </a:extLst>
+          </p:cNvPr>
+          <p:cNvCxnSpPr>
+            <a:cxnSpLocks/>
+          </p:cNvCxnSpPr>
+          <p:nvPr/>
+        </p:nvCxnSpPr>
+        <p:spPr>
+          <a:xfrm>
+            <a:off x="8347616" y="6670073"/>
+            <a:ext cx="5036661" cy="0"/>
+          </a:xfrm>
+          <a:prstGeom prst="straightConnector1">
+            <a:avLst/>
+          </a:prstGeom>
+          <a:ln w="50800">
+            <a:tailEnd type="triangle"/>
+          </a:ln>
+        </p:spPr>
+        <p:style>
+          <a:lnRef idx="1">
+            <a:schemeClr val="accent1"/>
+          </a:lnRef>
+          <a:fillRef idx="0">
+            <a:schemeClr val="accent1"/>
+          </a:fillRef>
+          <a:effectRef idx="0">
+            <a:schemeClr val="accent1"/>
+          </a:effectRef>
+          <a:fontRef idx="minor">
+            <a:schemeClr val="tx1"/>
+          </a:fontRef>
+        </p:style>
+      </p:cxnSp>
+    </p:spTree>
+    <p:extLst>
+      <p:ext uri="{BB962C8B-B14F-4D97-AF65-F5344CB8AC3E}">
+        <p14:creationId xmlns:p14="http://schemas.microsoft.com/office/powerpoint/2010/main" val="2229011347"/>
+      </p:ext>
+    </p:extLst>
+  </p:cSld>
+  <p:clrMapOvr>
+    <a:masterClrMapping/>
+  </p:clrMapOvr>
+</p:sld>
+</file>
+
 <file path=ppt/theme/theme1.xml><?xml version="1.0" encoding="utf-8"?>
 <a:theme xmlns:a="http://schemas.openxmlformats.org/drawingml/2006/main" name="Office Theme">
   <a:themeElements>

--- a/Pitch/Pitch_2020.pptx
+++ b/Pitch/Pitch_2020.pptx
@@ -7,6 +7,7 @@
   <p:sldIdLst>
     <p:sldId id="256" r:id="rId2"/>
     <p:sldId id="257" r:id="rId3"/>
+    <p:sldId id="259" r:id="rId4"/>
   </p:sldIdLst>
   <p:sldSz cx="12192000" cy="6858000"/>
   <p:notesSz cx="6858000" cy="9144000"/>
@@ -271,7 +272,7 @@
           <a:p>
             <a:fld id="{B361224D-52BF-427B-AA8C-24C34D5B218A}" type="datetimeFigureOut">
               <a:rPr lang="en-US" smtClean="0"/>
-              <a:t>11/11/2020</a:t>
+              <a:t>11/13/2020</a:t>
             </a:fld>
             <a:endParaRPr lang="en-US"/>
           </a:p>
@@ -469,7 +470,7 @@
           <a:p>
             <a:fld id="{B361224D-52BF-427B-AA8C-24C34D5B218A}" type="datetimeFigureOut">
               <a:rPr lang="en-US" smtClean="0"/>
-              <a:t>11/11/2020</a:t>
+              <a:t>11/13/2020</a:t>
             </a:fld>
             <a:endParaRPr lang="en-US"/>
           </a:p>
@@ -677,7 +678,7 @@
           <a:p>
             <a:fld id="{B361224D-52BF-427B-AA8C-24C34D5B218A}" type="datetimeFigureOut">
               <a:rPr lang="en-US" smtClean="0"/>
-              <a:t>11/11/2020</a:t>
+              <a:t>11/13/2020</a:t>
             </a:fld>
             <a:endParaRPr lang="en-US"/>
           </a:p>
@@ -875,7 +876,7 @@
           <a:p>
             <a:fld id="{B361224D-52BF-427B-AA8C-24C34D5B218A}" type="datetimeFigureOut">
               <a:rPr lang="en-US" smtClean="0"/>
-              <a:t>11/11/2020</a:t>
+              <a:t>11/13/2020</a:t>
             </a:fld>
             <a:endParaRPr lang="en-US"/>
           </a:p>
@@ -1150,7 +1151,7 @@
           <a:p>
             <a:fld id="{B361224D-52BF-427B-AA8C-24C34D5B218A}" type="datetimeFigureOut">
               <a:rPr lang="en-US" smtClean="0"/>
-              <a:t>11/11/2020</a:t>
+              <a:t>11/13/2020</a:t>
             </a:fld>
             <a:endParaRPr lang="en-US"/>
           </a:p>
@@ -1415,7 +1416,7 @@
           <a:p>
             <a:fld id="{B361224D-52BF-427B-AA8C-24C34D5B218A}" type="datetimeFigureOut">
               <a:rPr lang="en-US" smtClean="0"/>
-              <a:t>11/11/2020</a:t>
+              <a:t>11/13/2020</a:t>
             </a:fld>
             <a:endParaRPr lang="en-US"/>
           </a:p>
@@ -1827,7 +1828,7 @@
           <a:p>
             <a:fld id="{B361224D-52BF-427B-AA8C-24C34D5B218A}" type="datetimeFigureOut">
               <a:rPr lang="en-US" smtClean="0"/>
-              <a:t>11/11/2020</a:t>
+              <a:t>11/13/2020</a:t>
             </a:fld>
             <a:endParaRPr lang="en-US"/>
           </a:p>
@@ -1968,7 +1969,7 @@
           <a:p>
             <a:fld id="{B361224D-52BF-427B-AA8C-24C34D5B218A}" type="datetimeFigureOut">
               <a:rPr lang="en-US" smtClean="0"/>
-              <a:t>11/11/2020</a:t>
+              <a:t>11/13/2020</a:t>
             </a:fld>
             <a:endParaRPr lang="en-US"/>
           </a:p>
@@ -2081,7 +2082,7 @@
           <a:p>
             <a:fld id="{B361224D-52BF-427B-AA8C-24C34D5B218A}" type="datetimeFigureOut">
               <a:rPr lang="en-US" smtClean="0"/>
-              <a:t>11/11/2020</a:t>
+              <a:t>11/13/2020</a:t>
             </a:fld>
             <a:endParaRPr lang="en-US"/>
           </a:p>
@@ -2392,7 +2393,7 @@
           <a:p>
             <a:fld id="{B361224D-52BF-427B-AA8C-24C34D5B218A}" type="datetimeFigureOut">
               <a:rPr lang="en-US" smtClean="0"/>
-              <a:t>11/11/2020</a:t>
+              <a:t>11/13/2020</a:t>
             </a:fld>
             <a:endParaRPr lang="en-US"/>
           </a:p>
@@ -2680,7 +2681,7 @@
           <a:p>
             <a:fld id="{B361224D-52BF-427B-AA8C-24C34D5B218A}" type="datetimeFigureOut">
               <a:rPr lang="en-US" smtClean="0"/>
-              <a:t>11/11/2020</a:t>
+              <a:t>11/13/2020</a:t>
             </a:fld>
             <a:endParaRPr lang="en-US"/>
           </a:p>
@@ -2921,7 +2922,7 @@
           <a:p>
             <a:fld id="{B361224D-52BF-427B-AA8C-24C34D5B218A}" type="datetimeFigureOut">
               <a:rPr lang="en-US" smtClean="0"/>
-              <a:t>11/11/2020</a:t>
+              <a:t>11/13/2020</a:t>
             </a:fld>
             <a:endParaRPr lang="en-US"/>
           </a:p>
@@ -5055,6 +5056,90 @@
 </p:sld>
 </file>
 
+<file path=ppt/slides/slide3.xml><?xml version="1.0" encoding="utf-8"?>
+<p:sld xmlns:a="http://schemas.openxmlformats.org/drawingml/2006/main" xmlns:r="http://schemas.openxmlformats.org/officeDocument/2006/relationships" xmlns:p="http://schemas.openxmlformats.org/presentationml/2006/main">
+  <p:cSld>
+    <p:spTree>
+      <p:nvGrpSpPr>
+        <p:cNvPr id="1" name=""/>
+        <p:cNvGrpSpPr/>
+        <p:nvPr/>
+      </p:nvGrpSpPr>
+      <p:grpSpPr>
+        <a:xfrm>
+          <a:off x="0" y="0"/>
+          <a:ext cx="0" cy="0"/>
+          <a:chOff x="0" y="0"/>
+          <a:chExt cx="0" cy="0"/>
+        </a:xfrm>
+      </p:grpSpPr>
+      <p:sp>
+        <p:nvSpPr>
+          <p:cNvPr id="2" name="Title 1">
+            <a:extLst>
+              <a:ext uri="{FF2B5EF4-FFF2-40B4-BE49-F238E27FC236}">
+                <a16:creationId xmlns:a16="http://schemas.microsoft.com/office/drawing/2014/main" id="{DE2680B7-77DA-411C-BA0E-09129B13443B}"/>
+              </a:ext>
+            </a:extLst>
+          </p:cNvPr>
+          <p:cNvSpPr>
+            <a:spLocks noGrp="1"/>
+          </p:cNvSpPr>
+          <p:nvPr>
+            <p:ph type="title"/>
+          </p:nvPr>
+        </p:nvSpPr>
+        <p:spPr/>
+        <p:txBody>
+          <a:bodyPr/>
+          <a:lstStyle/>
+          <a:p>
+            <a:endParaRPr lang="en-CA"/>
+          </a:p>
+        </p:txBody>
+      </p:sp>
+      <p:pic>
+        <p:nvPicPr>
+          <p:cNvPr id="5" name="Content Placeholder 4">
+            <a:extLst>
+              <a:ext uri="{FF2B5EF4-FFF2-40B4-BE49-F238E27FC236}">
+                <a16:creationId xmlns:a16="http://schemas.microsoft.com/office/drawing/2014/main" id="{F6FDD957-7092-42FC-9463-E3C946EDF14F}"/>
+              </a:ext>
+            </a:extLst>
+          </p:cNvPr>
+          <p:cNvPicPr>
+            <a:picLocks noGrp="1" noChangeAspect="1"/>
+          </p:cNvPicPr>
+          <p:nvPr>
+            <p:ph idx="1"/>
+          </p:nvPr>
+        </p:nvPicPr>
+        <p:blipFill>
+          <a:blip r:embed="rId2"/>
+          <a:stretch>
+            <a:fillRect/>
+          </a:stretch>
+        </p:blipFill>
+        <p:spPr>
+          <a:xfrm>
+            <a:off x="-1" y="0"/>
+            <a:ext cx="12191999" cy="6858000"/>
+          </a:xfrm>
+        </p:spPr>
+      </p:pic>
+    </p:spTree>
+    <p:extLst>
+      <p:ext uri="{BB962C8B-B14F-4D97-AF65-F5344CB8AC3E}">
+        <p14:creationId xmlns:p14="http://schemas.microsoft.com/office/powerpoint/2010/main" val="3953070277"/>
+      </p:ext>
+    </p:extLst>
+  </p:cSld>
+  <p:clrMapOvr>
+    <a:masterClrMapping/>
+  </p:clrMapOvr>
+</p:sld>
+</file>
+
 <file path=ppt/theme/theme1.xml><?xml version="1.0" encoding="utf-8"?>
 <a:theme xmlns:a="http://schemas.openxmlformats.org/drawingml/2006/main" name="Office Theme">
   <a:themeElements>
